--- a/images/frontendPackageOverview.pptx
+++ b/images/frontendPackageOverview.pptx
@@ -212,7 +212,7 @@
             <a:fld id="{5D8FA8FF-20DC-44E5-8C35-13EAF0A5698C}" type="datetimeFigureOut">
               <a:rPr lang="en-SG" smtClean="0"/>
               <a:pPr/>
-              <a:t>1/11/18</a:t>
+              <a:t>8/11/18</a:t>
             </a:fld>
             <a:endParaRPr lang="en-SG"/>
           </a:p>
@@ -751,7 +751,7 @@
             <a:fld id="{1D8BD707-D9CF-40AE-B4C6-C98DA3205C09}" type="datetimeFigureOut">
               <a:rPr lang="en-US" smtClean="0"/>
               <a:pPr/>
-              <a:t>11/1/18</a:t>
+              <a:t>11/8/18</a:t>
             </a:fld>
             <a:endParaRPr lang="en-US"/>
           </a:p>
@@ -916,7 +916,7 @@
             <a:fld id="{1D8BD707-D9CF-40AE-B4C6-C98DA3205C09}" type="datetimeFigureOut">
               <a:rPr lang="en-US" smtClean="0"/>
               <a:pPr/>
-              <a:t>11/1/18</a:t>
+              <a:t>11/8/18</a:t>
             </a:fld>
             <a:endParaRPr lang="en-US"/>
           </a:p>
@@ -1091,7 +1091,7 @@
             <a:fld id="{1D8BD707-D9CF-40AE-B4C6-C98DA3205C09}" type="datetimeFigureOut">
               <a:rPr lang="en-US" smtClean="0"/>
               <a:pPr/>
-              <a:t>11/1/18</a:t>
+              <a:t>11/8/18</a:t>
             </a:fld>
             <a:endParaRPr lang="en-US"/>
           </a:p>
@@ -1256,7 +1256,7 @@
             <a:fld id="{1D8BD707-D9CF-40AE-B4C6-C98DA3205C09}" type="datetimeFigureOut">
               <a:rPr lang="en-US" smtClean="0"/>
               <a:pPr/>
-              <a:t>11/1/18</a:t>
+              <a:t>11/8/18</a:t>
             </a:fld>
             <a:endParaRPr lang="en-US"/>
           </a:p>
@@ -1498,7 +1498,7 @@
             <a:fld id="{1D8BD707-D9CF-40AE-B4C6-C98DA3205C09}" type="datetimeFigureOut">
               <a:rPr lang="en-US" smtClean="0"/>
               <a:pPr/>
-              <a:t>11/1/18</a:t>
+              <a:t>11/8/18</a:t>
             </a:fld>
             <a:endParaRPr lang="en-US"/>
           </a:p>
@@ -1780,7 +1780,7 @@
             <a:fld id="{1D8BD707-D9CF-40AE-B4C6-C98DA3205C09}" type="datetimeFigureOut">
               <a:rPr lang="en-US" smtClean="0"/>
               <a:pPr/>
-              <a:t>11/1/18</a:t>
+              <a:t>11/8/18</a:t>
             </a:fld>
             <a:endParaRPr lang="en-US"/>
           </a:p>
@@ -2196,7 +2196,7 @@
             <a:fld id="{1D8BD707-D9CF-40AE-B4C6-C98DA3205C09}" type="datetimeFigureOut">
               <a:rPr lang="en-US" smtClean="0"/>
               <a:pPr/>
-              <a:t>11/1/18</a:t>
+              <a:t>11/8/18</a:t>
             </a:fld>
             <a:endParaRPr lang="en-US"/>
           </a:p>
@@ -2310,7 +2310,7 @@
             <a:fld id="{1D8BD707-D9CF-40AE-B4C6-C98DA3205C09}" type="datetimeFigureOut">
               <a:rPr lang="en-US" smtClean="0"/>
               <a:pPr/>
-              <a:t>11/1/18</a:t>
+              <a:t>11/8/18</a:t>
             </a:fld>
             <a:endParaRPr lang="en-US"/>
           </a:p>
@@ -2402,7 +2402,7 @@
             <a:fld id="{1D8BD707-D9CF-40AE-B4C6-C98DA3205C09}" type="datetimeFigureOut">
               <a:rPr lang="en-US" smtClean="0"/>
               <a:pPr/>
-              <a:t>11/1/18</a:t>
+              <a:t>11/8/18</a:t>
             </a:fld>
             <a:endParaRPr lang="en-US"/>
           </a:p>
@@ -2674,7 +2674,7 @@
             <a:fld id="{1D8BD707-D9CF-40AE-B4C6-C98DA3205C09}" type="datetimeFigureOut">
               <a:rPr lang="en-US" smtClean="0"/>
               <a:pPr/>
-              <a:t>11/1/18</a:t>
+              <a:t>11/8/18</a:t>
             </a:fld>
             <a:endParaRPr lang="en-US"/>
           </a:p>
@@ -2923,7 +2923,7 @@
             <a:fld id="{1D8BD707-D9CF-40AE-B4C6-C98DA3205C09}" type="datetimeFigureOut">
               <a:rPr lang="en-US" smtClean="0"/>
               <a:pPr/>
-              <a:t>11/1/18</a:t>
+              <a:t>11/8/18</a:t>
             </a:fld>
             <a:endParaRPr lang="en-US"/>
           </a:p>
@@ -3131,7 +3131,7 @@
             <a:fld id="{1D8BD707-D9CF-40AE-B4C6-C98DA3205C09}" type="datetimeFigureOut">
               <a:rPr lang="en-US" smtClean="0"/>
               <a:pPr/>
-              <a:t>11/1/18</a:t>
+              <a:t>11/8/18</a:t>
             </a:fld>
             <a:endParaRPr lang="en-US"/>
           </a:p>
@@ -3861,12 +3861,10 @@
         <p:spPr>
           <a:xfrm>
             <a:off x="2869095" y="3465867"/>
-            <a:ext cx="361086" cy="12700"/>
+            <a:ext cx="374745" cy="0"/>
           </a:xfrm>
-          <a:prstGeom prst="bentConnector3">
-            <a:avLst>
-              <a:gd name="adj1" fmla="val 50000"/>
-            </a:avLst>
+          <a:prstGeom prst="straightConnector1">
+            <a:avLst/>
           </a:prstGeom>
           <a:ln w="38100">
             <a:solidFill>
@@ -3903,14 +3901,12 @@
           <p:nvPr/>
         </p:nvCxnSpPr>
         <p:spPr>
-          <a:xfrm flipV="1">
-            <a:off x="5050113" y="3480969"/>
-            <a:ext cx="467424" cy="12700"/>
+          <a:xfrm>
+            <a:off x="5102181" y="3493669"/>
+            <a:ext cx="384459" cy="0"/>
           </a:xfrm>
-          <a:prstGeom prst="bentConnector3">
-            <a:avLst>
-              <a:gd name="adj1" fmla="val 50000"/>
-            </a:avLst>
+          <a:prstGeom prst="straightConnector1">
+            <a:avLst/>
           </a:prstGeom>
           <a:ln w="38100">
             <a:solidFill>
@@ -4044,8 +4040,8 @@
         </p:nvSpPr>
         <p:spPr>
           <a:xfrm>
-            <a:off x="270333" y="3136867"/>
-            <a:ext cx="3306093" cy="492443"/>
+            <a:off x="1188472" y="3136867"/>
+            <a:ext cx="1383048" cy="492443"/>
           </a:xfrm>
           <a:prstGeom prst="rect">
             <a:avLst/>
@@ -4084,8 +4080,8 @@
         </p:nvSpPr>
         <p:spPr>
           <a:xfrm>
-            <a:off x="2513134" y="3152255"/>
-            <a:ext cx="3306093" cy="461665"/>
+            <a:off x="3041610" y="3179199"/>
+            <a:ext cx="2152520" cy="461665"/>
           </a:xfrm>
           <a:prstGeom prst="rect">
             <a:avLst/>
@@ -4124,8 +4120,8 @@
         </p:nvSpPr>
         <p:spPr>
           <a:xfrm>
-            <a:off x="4775943" y="3136867"/>
-            <a:ext cx="3306093" cy="492443"/>
+            <a:off x="5491805" y="3172033"/>
+            <a:ext cx="1866835" cy="492443"/>
           </a:xfrm>
           <a:prstGeom prst="rect">
             <a:avLst/>
@@ -4145,7 +4141,7 @@
                   <a:schemeClr val="bg1"/>
                 </a:solidFill>
               </a:rPr>
-              <a:t>Storage</a:t>
+              <a:t>Store</a:t>
             </a:r>
           </a:p>
         </p:txBody>
